--- a/PresentationSlides/SeniorProject-FinalPresentation-Will_Rodriguez.pptx
+++ b/PresentationSlides/SeniorProject-FinalPresentation-Will_Rodriguez.pptx
@@ -133,7 +133,7 @@
   </p:defaultTextStyle>
   <p:extLst>
     <p:ext uri="{EFAFB233-063F-42B5-8137-9DF3F51BA10A}">
-      <p15:sldGuideLst xmlns:p15="http://schemas.microsoft.com/office/powerpoint/2012/main"/>
+      <p15:sldGuideLst xmlns:p15="http://schemas.microsoft.com/office/powerpoint/2012/main" xmlns=""/>
     </p:ext>
   </p:extLst>
 </p:presentation>
@@ -221,7 +221,7 @@
           <a:p>
             <a:fld id="{2BCAFC7A-71DD-4C2C-B63D-60FDC7DD5449}" type="datetimeFigureOut">
               <a:rPr lang="en-US" smtClean="0"/>
-              <a:t>12/10/2015</a:t>
+              <a:t>12/11/15</a:t>
             </a:fld>
             <a:endParaRPr lang="en-US"/>
           </a:p>
@@ -301,6 +301,7 @@
     </p:extLst>
   </p:cSld>
   <p:clrMap bg1="lt1" tx1="dk1" bg2="lt2" tx2="dk2" accent1="accent1" accent2="accent2" accent3="accent3" accent4="accent4" accent5="accent5" accent6="accent6" hlink="hlink" folHlink="folHlink"/>
+  <p:hf hdr="0" ftr="0" dt="0"/>
 </p:handoutMaster>
 </file>
 
@@ -386,7 +387,7 @@
           <a:p>
             <a:fld id="{D85ECAFD-F005-4163-B10D-85806DC43F93}" type="datetimeFigureOut">
               <a:rPr lang="en-US" smtClean="0"/>
-              <a:t>12/10/2015</a:t>
+              <a:t>12/11/15</a:t>
             </a:fld>
             <a:endParaRPr lang="en-US"/>
           </a:p>
@@ -559,6 +560,7 @@
     </p:extLst>
   </p:cSld>
   <p:clrMap bg1="lt1" tx1="dk1" bg2="lt2" tx2="dk2" accent1="accent1" accent2="accent2" accent3="accent3" accent4="accent4" accent5="accent5" accent6="accent6" hlink="hlink" folHlink="folHlink"/>
+  <p:hf hdr="0" ftr="0" dt="0"/>
   <p:notesStyle>
     <a:lvl1pPr marL="0" algn="l" defTabSz="914400" rtl="0" eaLnBrk="1" latinLnBrk="0" hangingPunct="1">
       <a:defRPr sz="1200" kern="1200">
@@ -1096,9 +1098,9 @@
           <a:bodyPr/>
           <a:lstStyle/>
           <a:p>
-            <a:fld id="{4AAD347D-5ACD-4C99-B74B-A9C85AD731AF}" type="datetimeFigureOut">
-              <a:rPr lang="en-US" smtClean="0"/>
-              <a:t>12/10/2015</a:t>
+            <a:fld id="{68C6D454-64C4-C44D-B8B0-79B34247F9C7}" type="datetime1">
+              <a:rPr lang="en-US" smtClean="0"/>
+              <a:t>12/11/15</a:t>
             </a:fld>
             <a:endParaRPr lang="en-US"/>
           </a:p>
@@ -1366,9 +1368,9 @@
           <a:bodyPr/>
           <a:lstStyle/>
           <a:p>
-            <a:fld id="{4509A250-FF31-4206-8172-F9D3106AACB1}" type="datetimeFigureOut">
-              <a:rPr lang="en-US" smtClean="0"/>
-              <a:t>12/10/2015</a:t>
+            <a:fld id="{03A95C5A-6BE7-AB43-8B1D-E4D842253E33}" type="datetime1">
+              <a:rPr lang="en-US" smtClean="0"/>
+              <a:t>12/11/15</a:t>
             </a:fld>
             <a:endParaRPr lang="en-US" dirty="0"/>
           </a:p>
@@ -1488,9 +1490,9 @@
           <a:bodyPr/>
           <a:lstStyle/>
           <a:p>
-            <a:fld id="{4509A250-FF31-4206-8172-F9D3106AACB1}" type="datetimeFigureOut">
-              <a:rPr lang="en-US" smtClean="0"/>
-              <a:t>12/10/2015</a:t>
+            <a:fld id="{B49F4265-727B-8148-A34A-605439151165}" type="datetime1">
+              <a:rPr lang="en-US" smtClean="0"/>
+              <a:t>12/11/15</a:t>
             </a:fld>
             <a:endParaRPr lang="en-US" dirty="0"/>
           </a:p>
@@ -1677,9 +1679,9 @@
           <a:bodyPr/>
           <a:lstStyle/>
           <a:p>
-            <a:fld id="{4509A250-FF31-4206-8172-F9D3106AACB1}" type="datetimeFigureOut">
-              <a:rPr lang="en-US" smtClean="0"/>
-              <a:t>12/10/2015</a:t>
+            <a:fld id="{D0687E53-1F6B-B041-8DEE-657189B4F69E}" type="datetime1">
+              <a:rPr lang="en-US" smtClean="0"/>
+              <a:t>12/11/15</a:t>
             </a:fld>
             <a:endParaRPr lang="en-US" dirty="0"/>
           </a:p>
@@ -2128,9 +2130,9 @@
           <a:bodyPr/>
           <a:lstStyle/>
           <a:p>
-            <a:fld id="{4509A250-FF31-4206-8172-F9D3106AACB1}" type="datetimeFigureOut">
-              <a:rPr lang="en-US" smtClean="0"/>
-              <a:t>12/10/2015</a:t>
+            <a:fld id="{C5C0891D-0681-5E43-8B8C-BCFB0A5F88B5}" type="datetime1">
+              <a:rPr lang="en-US" smtClean="0"/>
+              <a:t>12/11/15</a:t>
             </a:fld>
             <a:endParaRPr lang="en-US" dirty="0"/>
           </a:p>
@@ -2250,9 +2252,9 @@
           <a:bodyPr/>
           <a:lstStyle/>
           <a:p>
-            <a:fld id="{4509A250-FF31-4206-8172-F9D3106AACB1}" type="datetimeFigureOut">
-              <a:rPr lang="en-US" smtClean="0"/>
-              <a:t>12/10/2015</a:t>
+            <a:fld id="{DB7117E2-1624-D74E-A516-7FDBA1CEE5A6}" type="datetime1">
+              <a:rPr lang="en-US" smtClean="0"/>
+              <a:t>12/11/15</a:t>
             </a:fld>
             <a:endParaRPr lang="en-US" dirty="0"/>
           </a:p>
@@ -2545,9 +2547,9 @@
           <a:bodyPr/>
           <a:lstStyle/>
           <a:p>
-            <a:fld id="{4509A250-FF31-4206-8172-F9D3106AACB1}" type="datetimeFigureOut">
-              <a:rPr lang="en-US" smtClean="0"/>
-              <a:t>12/10/2015</a:t>
+            <a:fld id="{E780A3F0-70A0-2243-B5AE-3D3B3F69EF8C}" type="datetime1">
+              <a:rPr lang="en-US" smtClean="0"/>
+              <a:t>12/11/15</a:t>
             </a:fld>
             <a:endParaRPr lang="en-US" dirty="0"/>
           </a:p>
@@ -3307,9 +3309,9 @@
           <a:bodyPr/>
           <a:lstStyle/>
           <a:p>
-            <a:fld id="{4509A250-FF31-4206-8172-F9D3106AACB1}" type="datetimeFigureOut">
-              <a:rPr lang="en-US" smtClean="0"/>
-              <a:t>12/10/2015</a:t>
+            <a:fld id="{1CC1A546-CB94-134D-9B11-C7422DFC7906}" type="datetime1">
+              <a:rPr lang="en-US" smtClean="0"/>
+              <a:t>12/11/15</a:t>
             </a:fld>
             <a:endParaRPr lang="en-US" dirty="0"/>
           </a:p>
@@ -4162,9 +4164,9 @@
           <a:bodyPr/>
           <a:lstStyle/>
           <a:p>
-            <a:fld id="{4509A250-FF31-4206-8172-F9D3106AACB1}" type="datetimeFigureOut">
-              <a:rPr lang="en-US" smtClean="0"/>
-              <a:t>12/10/2015</a:t>
+            <a:fld id="{CAA0F06C-2D5A-1248-8226-53F483BF33FA}" type="datetime1">
+              <a:rPr lang="en-US" smtClean="0"/>
+              <a:t>12/11/15</a:t>
             </a:fld>
             <a:endParaRPr lang="en-US" dirty="0"/>
           </a:p>
@@ -4327,9 +4329,9 @@
           <a:bodyPr/>
           <a:lstStyle/>
           <a:p>
-            <a:fld id="{4509A250-FF31-4206-8172-F9D3106AACB1}" type="datetimeFigureOut">
-              <a:rPr lang="en-US" smtClean="0"/>
-              <a:t>12/10/2015</a:t>
+            <a:fld id="{577D061D-AB68-D84B-835B-84E507807592}" type="datetime1">
+              <a:rPr lang="en-US" smtClean="0"/>
+              <a:t>12/11/15</a:t>
             </a:fld>
             <a:endParaRPr lang="en-US" dirty="0"/>
           </a:p>
@@ -4502,9 +4504,9 @@
           <a:bodyPr/>
           <a:lstStyle/>
           <a:p>
-            <a:fld id="{4509A250-FF31-4206-8172-F9D3106AACB1}" type="datetimeFigureOut">
-              <a:rPr lang="en-US" smtClean="0"/>
-              <a:t>12/10/2015</a:t>
+            <a:fld id="{5C7CFB12-B8D2-264E-930A-44DF72F23AB5}" type="datetime1">
+              <a:rPr lang="en-US" smtClean="0"/>
+              <a:t>12/11/15</a:t>
             </a:fld>
             <a:endParaRPr lang="en-US" dirty="0"/>
           </a:p>
@@ -4667,9 +4669,9 @@
           <a:bodyPr/>
           <a:lstStyle/>
           <a:p>
-            <a:fld id="{4509A250-FF31-4206-8172-F9D3106AACB1}" type="datetimeFigureOut">
-              <a:rPr lang="en-US" smtClean="0"/>
-              <a:t>12/10/2015</a:t>
+            <a:fld id="{2C8C0467-3B8E-6741-97A3-0892886F23EE}" type="datetime1">
+              <a:rPr lang="en-US" smtClean="0"/>
+              <a:t>12/11/15</a:t>
             </a:fld>
             <a:endParaRPr lang="en-US" dirty="0"/>
           </a:p>
@@ -4909,9 +4911,9 @@
           <a:bodyPr/>
           <a:lstStyle/>
           <a:p>
-            <a:fld id="{9796027F-7875-4030-9381-8BD8C4F21935}" type="datetimeFigureOut">
-              <a:rPr lang="en-US" smtClean="0"/>
-              <a:t>12/10/2015</a:t>
+            <a:fld id="{E811888B-331F-9943-BF46-2A2513BB6DCD}" type="datetime1">
+              <a:rPr lang="en-US" smtClean="0"/>
+              <a:t>12/11/15</a:t>
             </a:fld>
             <a:endParaRPr lang="en-US"/>
           </a:p>
@@ -5196,9 +5198,9 @@
           <a:bodyPr/>
           <a:lstStyle/>
           <a:p>
-            <a:fld id="{9796027F-7875-4030-9381-8BD8C4F21935}" type="datetimeFigureOut">
-              <a:rPr lang="en-US" smtClean="0"/>
-              <a:t>12/10/2015</a:t>
+            <a:fld id="{608975EA-C942-024D-911F-AAD61D868938}" type="datetime1">
+              <a:rPr lang="en-US" smtClean="0"/>
+              <a:t>12/11/15</a:t>
             </a:fld>
             <a:endParaRPr lang="en-US"/>
           </a:p>
@@ -5635,9 +5637,9 @@
           <a:bodyPr/>
           <a:lstStyle/>
           <a:p>
-            <a:fld id="{9796027F-7875-4030-9381-8BD8C4F21935}" type="datetimeFigureOut">
-              <a:rPr lang="en-US" smtClean="0"/>
-              <a:t>12/10/2015</a:t>
+            <a:fld id="{0E1570BE-B509-FB46-B99E-4054E976E555}" type="datetime1">
+              <a:rPr lang="en-US" smtClean="0"/>
+              <a:t>12/11/15</a:t>
             </a:fld>
             <a:endParaRPr lang="en-US"/>
           </a:p>
@@ -5748,9 +5750,9 @@
           <a:bodyPr/>
           <a:lstStyle/>
           <a:p>
-            <a:fld id="{4509A250-FF31-4206-8172-F9D3106AACB1}" type="datetimeFigureOut">
-              <a:rPr lang="en-US" smtClean="0"/>
-              <a:t>12/10/2015</a:t>
+            <a:fld id="{BE683407-1843-8944-B017-A2951353EB34}" type="datetime1">
+              <a:rPr lang="en-US" smtClean="0"/>
+              <a:t>12/11/15</a:t>
             </a:fld>
             <a:endParaRPr lang="en-US" dirty="0"/>
           </a:p>
@@ -5838,9 +5840,9 @@
           <a:bodyPr/>
           <a:lstStyle/>
           <a:p>
-            <a:fld id="{4509A250-FF31-4206-8172-F9D3106AACB1}" type="datetimeFigureOut">
-              <a:rPr lang="en-US" smtClean="0"/>
-              <a:t>12/10/2015</a:t>
+            <a:fld id="{7D12AF0C-8557-EC4B-A3D3-169922A88AC3}" type="datetime1">
+              <a:rPr lang="en-US" smtClean="0"/>
+              <a:t>12/11/15</a:t>
             </a:fld>
             <a:endParaRPr lang="en-US" dirty="0"/>
           </a:p>
@@ -6112,9 +6114,9 @@
           <a:bodyPr/>
           <a:lstStyle/>
           <a:p>
-            <a:fld id="{4509A250-FF31-4206-8172-F9D3106AACB1}" type="datetimeFigureOut">
-              <a:rPr lang="en-US" smtClean="0"/>
-              <a:t>12/10/2015</a:t>
+            <a:fld id="{7BE043B1-203B-3242-B1DC-0896DF735A0E}" type="datetime1">
+              <a:rPr lang="en-US" smtClean="0"/>
+              <a:t>12/11/15</a:t>
             </a:fld>
             <a:endParaRPr lang="en-US" dirty="0"/>
           </a:p>
@@ -6382,9 +6384,9 @@
           <a:bodyPr/>
           <a:lstStyle/>
           <a:p>
-            <a:fld id="{4509A250-FF31-4206-8172-F9D3106AACB1}" type="datetimeFigureOut">
-              <a:rPr lang="en-US" smtClean="0"/>
-              <a:t>12/10/2015</a:t>
+            <a:fld id="{CE27DEB5-4970-BD4C-B536-B7A687705F59}" type="datetime1">
+              <a:rPr lang="en-US" smtClean="0"/>
+              <a:t>12/11/15</a:t>
             </a:fld>
             <a:endParaRPr lang="en-US" dirty="0"/>
           </a:p>
@@ -6822,9 +6824,9 @@
             </a:lvl1pPr>
           </a:lstStyle>
           <a:p>
-            <a:fld id="{4AAD347D-5ACD-4C99-B74B-A9C85AD731AF}" type="datetimeFigureOut">
-              <a:rPr lang="en-US" smtClean="0"/>
-              <a:t>12/10/2015</a:t>
+            <a:fld id="{EA634875-45A2-3241-9668-8C4ECB1B9849}" type="datetime1">
+              <a:rPr lang="en-US" smtClean="0"/>
+              <a:t>12/11/15</a:t>
             </a:fld>
             <a:endParaRPr lang="en-US"/>
           </a:p>
@@ -6933,7 +6935,7 @@
     <p:sldLayoutId id="2147483658" r:id="rId18"/>
     <p:sldLayoutId id="2147483659" r:id="rId19"/>
   </p:sldLayoutIdLst>
-  <p:hf sldNum="0" hdr="0" ftr="0" dt="0"/>
+  <p:hf hdr="0" ftr="0" dt="0"/>
   <p:txStyles>
     <p:titleStyle>
       <a:lvl1pPr algn="l" defTabSz="457200" rtl="0" eaLnBrk="1" latinLnBrk="0" hangingPunct="1">
@@ -8336,6 +8338,29 @@
           </a:p>
         </p:txBody>
       </p:sp>
+      <p:sp>
+        <p:nvSpPr>
+          <p:cNvPr id="3" name="Slide Number Placeholder 2"/>
+          <p:cNvSpPr>
+            <a:spLocks noGrp="1"/>
+          </p:cNvSpPr>
+          <p:nvPr>
+            <p:ph type="sldNum" sz="quarter" idx="12"/>
+          </p:nvPr>
+        </p:nvSpPr>
+        <p:spPr/>
+        <p:txBody>
+          <a:bodyPr/>
+          <a:lstStyle/>
+          <a:p>
+            <a:fld id="{D57F1E4F-1CFF-5643-939E-02111984F565}" type="slidenum">
+              <a:rPr lang="en-US" smtClean="0"/>
+              <a:t>1</a:t>
+            </a:fld>
+            <a:endParaRPr lang="en-US"/>
+          </a:p>
+        </p:txBody>
+      </p:sp>
     </p:spTree>
   </p:cSld>
   <p:clrMapOvr>
@@ -8344,7 +8369,7 @@
   <p:timing>
     <p:tnLst>
       <p:par>
-        <p:cTn id="1" dur="indefinite" restart="never" nodeType="tmRoot"/>
+        <p:cTn xmlns:p14="http://schemas.microsoft.com/office/powerpoint/2010/main" id="1" dur="indefinite" restart="never" nodeType="tmRoot"/>
       </p:par>
     </p:tnLst>
   </p:timing>
@@ -8420,6 +8445,29 @@
           </a:xfrm>
         </p:spPr>
       </p:pic>
+      <p:sp>
+        <p:nvSpPr>
+          <p:cNvPr id="3" name="Slide Number Placeholder 2"/>
+          <p:cNvSpPr>
+            <a:spLocks noGrp="1"/>
+          </p:cNvSpPr>
+          <p:nvPr>
+            <p:ph type="sldNum" sz="quarter" idx="12"/>
+          </p:nvPr>
+        </p:nvSpPr>
+        <p:spPr/>
+        <p:txBody>
+          <a:bodyPr/>
+          <a:lstStyle/>
+          <a:p>
+            <a:fld id="{D57F1E4F-1CFF-5643-939E-02111984F565}" type="slidenum">
+              <a:rPr lang="en-US" smtClean="0"/>
+              <a:t>10</a:t>
+            </a:fld>
+            <a:endParaRPr lang="en-US"/>
+          </a:p>
+        </p:txBody>
+      </p:sp>
     </p:spTree>
     <p:extLst>
       <p:ext uri="{BB962C8B-B14F-4D97-AF65-F5344CB8AC3E}">
@@ -8531,6 +8579,29 @@
           </a:sp3d>
         </p:spPr>
       </p:pic>
+      <p:sp>
+        <p:nvSpPr>
+          <p:cNvPr id="3" name="Slide Number Placeholder 2"/>
+          <p:cNvSpPr>
+            <a:spLocks noGrp="1"/>
+          </p:cNvSpPr>
+          <p:nvPr>
+            <p:ph type="sldNum" sz="quarter" idx="12"/>
+          </p:nvPr>
+        </p:nvSpPr>
+        <p:spPr/>
+        <p:txBody>
+          <a:bodyPr/>
+          <a:lstStyle/>
+          <a:p>
+            <a:fld id="{D57F1E4F-1CFF-5643-939E-02111984F565}" type="slidenum">
+              <a:rPr lang="en-US" smtClean="0"/>
+              <a:t>11</a:t>
+            </a:fld>
+            <a:endParaRPr lang="en-US"/>
+          </a:p>
+        </p:txBody>
+      </p:sp>
     </p:spTree>
     <p:extLst>
       <p:ext uri="{BB962C8B-B14F-4D97-AF65-F5344CB8AC3E}">
@@ -8674,6 +8745,29 @@
           </a:p>
         </p:txBody>
       </p:sp>
+      <p:sp>
+        <p:nvSpPr>
+          <p:cNvPr id="4" name="Slide Number Placeholder 3"/>
+          <p:cNvSpPr>
+            <a:spLocks noGrp="1"/>
+          </p:cNvSpPr>
+          <p:nvPr>
+            <p:ph type="sldNum" sz="quarter" idx="12"/>
+          </p:nvPr>
+        </p:nvSpPr>
+        <p:spPr/>
+        <p:txBody>
+          <a:bodyPr/>
+          <a:lstStyle/>
+          <a:p>
+            <a:fld id="{D57F1E4F-1CFF-5643-939E-02111984F565}" type="slidenum">
+              <a:rPr lang="en-US" smtClean="0"/>
+              <a:t>12</a:t>
+            </a:fld>
+            <a:endParaRPr lang="en-US"/>
+          </a:p>
+        </p:txBody>
+      </p:sp>
     </p:spTree>
     <p:extLst>
       <p:ext uri="{BB962C8B-B14F-4D97-AF65-F5344CB8AC3E}">
@@ -8755,6 +8849,29 @@
           </a:xfrm>
         </p:spPr>
       </p:pic>
+      <p:sp>
+        <p:nvSpPr>
+          <p:cNvPr id="3" name="Slide Number Placeholder 2"/>
+          <p:cNvSpPr>
+            <a:spLocks noGrp="1"/>
+          </p:cNvSpPr>
+          <p:nvPr>
+            <p:ph type="sldNum" sz="quarter" idx="12"/>
+          </p:nvPr>
+        </p:nvSpPr>
+        <p:spPr/>
+        <p:txBody>
+          <a:bodyPr/>
+          <a:lstStyle/>
+          <a:p>
+            <a:fld id="{D57F1E4F-1CFF-5643-939E-02111984F565}" type="slidenum">
+              <a:rPr lang="en-US" smtClean="0"/>
+              <a:t>13</a:t>
+            </a:fld>
+            <a:endParaRPr lang="en-US"/>
+          </a:p>
+        </p:txBody>
+      </p:sp>
     </p:spTree>
     <p:extLst>
       <p:ext uri="{BB962C8B-B14F-4D97-AF65-F5344CB8AC3E}">
@@ -8838,6 +8955,29 @@
           </a:prstGeom>
         </p:spPr>
       </p:pic>
+      <p:sp>
+        <p:nvSpPr>
+          <p:cNvPr id="4" name="Slide Number Placeholder 3"/>
+          <p:cNvSpPr>
+            <a:spLocks noGrp="1"/>
+          </p:cNvSpPr>
+          <p:nvPr>
+            <p:ph type="sldNum" sz="quarter" idx="12"/>
+          </p:nvPr>
+        </p:nvSpPr>
+        <p:spPr/>
+        <p:txBody>
+          <a:bodyPr/>
+          <a:lstStyle/>
+          <a:p>
+            <a:fld id="{D57F1E4F-1CFF-5643-939E-02111984F565}" type="slidenum">
+              <a:rPr lang="en-US" smtClean="0"/>
+              <a:t>14</a:t>
+            </a:fld>
+            <a:endParaRPr lang="en-US"/>
+          </a:p>
+        </p:txBody>
+      </p:sp>
     </p:spTree>
     <p:extLst>
       <p:ext uri="{BB962C8B-B14F-4D97-AF65-F5344CB8AC3E}">
@@ -8910,7 +9050,7 @@
           </a:ln>
           <a:extLst>
             <a:ext uri="{C572A759-6A51-4108-AA02-DFA0A04FC94B}">
-              <ma14:wrappingTextBoxFlag xmlns="" xmlns:ma14="http://schemas.microsoft.com/office/mac/drawingml/2011/main" val="1"/>
+              <ma14:wrappingTextBoxFlag xmlns:ma14="http://schemas.microsoft.com/office/mac/drawingml/2011/main" val="1"/>
             </a:ext>
           </a:extLst>
         </p:spPr>
@@ -9048,7 +9188,7 @@
           </a:ln>
           <a:extLst>
             <a:ext uri="{C572A759-6A51-4108-AA02-DFA0A04FC94B}">
-              <ma14:wrappingTextBoxFlag xmlns="" xmlns:ma14="http://schemas.microsoft.com/office/mac/drawingml/2011/main" val="1"/>
+              <ma14:wrappingTextBoxFlag xmlns:ma14="http://schemas.microsoft.com/office/mac/drawingml/2011/main" val="1"/>
             </a:ext>
           </a:extLst>
         </p:spPr>
@@ -9121,6 +9261,29 @@
               </a:defRPr>
             </a:pPr>
             <a:endParaRPr/>
+          </a:p>
+        </p:txBody>
+      </p:sp>
+      <p:sp>
+        <p:nvSpPr>
+          <p:cNvPr id="3" name="Slide Number Placeholder 2"/>
+          <p:cNvSpPr>
+            <a:spLocks noGrp="1"/>
+          </p:cNvSpPr>
+          <p:nvPr>
+            <p:ph type="sldNum" sz="quarter" idx="12"/>
+          </p:nvPr>
+        </p:nvSpPr>
+        <p:spPr/>
+        <p:txBody>
+          <a:bodyPr/>
+          <a:lstStyle/>
+          <a:p>
+            <a:fld id="{D57F1E4F-1CFF-5643-939E-02111984F565}" type="slidenum">
+              <a:rPr lang="en-US" smtClean="0"/>
+              <a:t>15</a:t>
+            </a:fld>
+            <a:endParaRPr lang="en-US"/>
           </a:p>
         </p:txBody>
       </p:sp>
@@ -9202,6 +9365,29 @@
               <a:t>Skillcourt’s system </a:t>
             </a:r>
             <a:endParaRPr lang="en-US" dirty="0"/>
+          </a:p>
+        </p:txBody>
+      </p:sp>
+      <p:sp>
+        <p:nvSpPr>
+          <p:cNvPr id="2" name="Slide Number Placeholder 1"/>
+          <p:cNvSpPr>
+            <a:spLocks noGrp="1"/>
+          </p:cNvSpPr>
+          <p:nvPr>
+            <p:ph type="sldNum" sz="quarter" idx="12"/>
+          </p:nvPr>
+        </p:nvSpPr>
+        <p:spPr/>
+        <p:txBody>
+          <a:bodyPr/>
+          <a:lstStyle/>
+          <a:p>
+            <a:fld id="{D57F1E4F-1CFF-5643-939E-02111984F565}" type="slidenum">
+              <a:rPr lang="en-US" smtClean="0"/>
+              <a:t>16</a:t>
+            </a:fld>
+            <a:endParaRPr lang="en-US"/>
           </a:p>
         </p:txBody>
       </p:sp>
@@ -9264,6 +9450,29 @@
           </a:xfrm>
         </p:spPr>
       </p:pic>
+      <p:sp>
+        <p:nvSpPr>
+          <p:cNvPr id="2" name="Slide Number Placeholder 1"/>
+          <p:cNvSpPr>
+            <a:spLocks noGrp="1"/>
+          </p:cNvSpPr>
+          <p:nvPr>
+            <p:ph type="sldNum" sz="quarter" idx="12"/>
+          </p:nvPr>
+        </p:nvSpPr>
+        <p:spPr/>
+        <p:txBody>
+          <a:bodyPr/>
+          <a:lstStyle/>
+          <a:p>
+            <a:fld id="{D57F1E4F-1CFF-5643-939E-02111984F565}" type="slidenum">
+              <a:rPr lang="en-US" smtClean="0"/>
+              <a:t>17</a:t>
+            </a:fld>
+            <a:endParaRPr lang="en-US"/>
+          </a:p>
+        </p:txBody>
+      </p:sp>
     </p:spTree>
     <p:extLst>
       <p:ext uri="{BB962C8B-B14F-4D97-AF65-F5344CB8AC3E}">
@@ -9346,6 +9555,29 @@
           </a:xfrm>
         </p:spPr>
       </p:pic>
+      <p:sp>
+        <p:nvSpPr>
+          <p:cNvPr id="3" name="Slide Number Placeholder 2"/>
+          <p:cNvSpPr>
+            <a:spLocks noGrp="1"/>
+          </p:cNvSpPr>
+          <p:nvPr>
+            <p:ph type="sldNum" sz="quarter" idx="12"/>
+          </p:nvPr>
+        </p:nvSpPr>
+        <p:spPr/>
+        <p:txBody>
+          <a:bodyPr/>
+          <a:lstStyle/>
+          <a:p>
+            <a:fld id="{D57F1E4F-1CFF-5643-939E-02111984F565}" type="slidenum">
+              <a:rPr lang="en-US" smtClean="0"/>
+              <a:t>18</a:t>
+            </a:fld>
+            <a:endParaRPr lang="en-US"/>
+          </a:p>
+        </p:txBody>
+      </p:sp>
     </p:spTree>
     <p:extLst>
       <p:ext uri="{BB962C8B-B14F-4D97-AF65-F5344CB8AC3E}">
@@ -9486,6 +9718,29 @@
           </a:prstGeom>
         </p:spPr>
       </p:pic>
+      <p:sp>
+        <p:nvSpPr>
+          <p:cNvPr id="3" name="Slide Number Placeholder 2"/>
+          <p:cNvSpPr>
+            <a:spLocks noGrp="1"/>
+          </p:cNvSpPr>
+          <p:nvPr>
+            <p:ph type="sldNum" sz="quarter" idx="12"/>
+          </p:nvPr>
+        </p:nvSpPr>
+        <p:spPr/>
+        <p:txBody>
+          <a:bodyPr/>
+          <a:lstStyle/>
+          <a:p>
+            <a:fld id="{D57F1E4F-1CFF-5643-939E-02111984F565}" type="slidenum">
+              <a:rPr lang="en-US" smtClean="0"/>
+              <a:t>19</a:t>
+            </a:fld>
+            <a:endParaRPr lang="en-US"/>
+          </a:p>
+        </p:txBody>
+      </p:sp>
     </p:spTree>
     <p:extLst>
       <p:ext uri="{BB962C8B-B14F-4D97-AF65-F5344CB8AC3E}">
@@ -9575,11 +9830,7 @@
             </a:pPr>
             <a:r>
               <a:rPr lang="en-US" sz="2800" dirty="0" smtClean="0"/>
-              <a:t>Team </a:t>
-            </a:r>
-            <a:r>
-              <a:rPr lang="en-US" sz="2800" dirty="0" smtClean="0"/>
-              <a:t>focused sport</a:t>
+              <a:t>Team focused sport</a:t>
             </a:r>
             <a:endParaRPr lang="en-US" sz="2800" dirty="0"/>
           </a:p>
@@ -9591,11 +9842,7 @@
             </a:pPr>
             <a:r>
               <a:rPr lang="en-US" sz="2800" dirty="0" smtClean="0"/>
-              <a:t>Lack </a:t>
-            </a:r>
-            <a:r>
-              <a:rPr lang="en-US" sz="2800" dirty="0" smtClean="0"/>
-              <a:t>of </a:t>
+              <a:t>Lack of </a:t>
             </a:r>
             <a:r>
               <a:rPr lang="en-US" sz="2800" dirty="0"/>
@@ -9715,6 +9962,29 @@
               <a:t>Coach users search functionality presents drawbacks to the user</a:t>
             </a:r>
             <a:endParaRPr lang="en-US" sz="2900" dirty="0"/>
+          </a:p>
+        </p:txBody>
+      </p:sp>
+      <p:sp>
+        <p:nvSpPr>
+          <p:cNvPr id="5" name="Slide Number Placeholder 4"/>
+          <p:cNvSpPr>
+            <a:spLocks noGrp="1"/>
+          </p:cNvSpPr>
+          <p:nvPr>
+            <p:ph type="sldNum" sz="quarter" idx="12"/>
+          </p:nvPr>
+        </p:nvSpPr>
+        <p:spPr/>
+        <p:txBody>
+          <a:bodyPr/>
+          <a:lstStyle/>
+          <a:p>
+            <a:fld id="{D57F1E4F-1CFF-5643-939E-02111984F565}" type="slidenum">
+              <a:rPr lang="en-US" smtClean="0"/>
+              <a:t>2</a:t>
+            </a:fld>
+            <a:endParaRPr lang="en-US"/>
           </a:p>
         </p:txBody>
       </p:sp>
@@ -9726,7 +9996,7 @@
   <p:timing>
     <p:tnLst>
       <p:par>
-        <p:cTn id="1" dur="indefinite" restart="never" nodeType="tmRoot"/>
+        <p:cTn xmlns:p14="http://schemas.microsoft.com/office/powerpoint/2010/main" id="1" dur="indefinite" restart="never" nodeType="tmRoot"/>
       </p:par>
     </p:tnLst>
   </p:timing>
@@ -9860,6 +10130,29 @@
           </a:prstGeom>
         </p:spPr>
       </p:pic>
+      <p:sp>
+        <p:nvSpPr>
+          <p:cNvPr id="3" name="Slide Number Placeholder 2"/>
+          <p:cNvSpPr>
+            <a:spLocks noGrp="1"/>
+          </p:cNvSpPr>
+          <p:nvPr>
+            <p:ph type="sldNum" sz="quarter" idx="12"/>
+          </p:nvPr>
+        </p:nvSpPr>
+        <p:spPr/>
+        <p:txBody>
+          <a:bodyPr/>
+          <a:lstStyle/>
+          <a:p>
+            <a:fld id="{D57F1E4F-1CFF-5643-939E-02111984F565}" type="slidenum">
+              <a:rPr lang="en-US" smtClean="0"/>
+              <a:t>20</a:t>
+            </a:fld>
+            <a:endParaRPr lang="en-US"/>
+          </a:p>
+        </p:txBody>
+      </p:sp>
     </p:spTree>
     <p:extLst>
       <p:ext uri="{BB962C8B-B14F-4D97-AF65-F5344CB8AC3E}">
@@ -9979,6 +10272,29 @@
           </a:p>
         </p:txBody>
       </p:sp>
+      <p:sp>
+        <p:nvSpPr>
+          <p:cNvPr id="3" name="Slide Number Placeholder 2"/>
+          <p:cNvSpPr>
+            <a:spLocks noGrp="1"/>
+          </p:cNvSpPr>
+          <p:nvPr>
+            <p:ph type="sldNum" sz="quarter" idx="12"/>
+          </p:nvPr>
+        </p:nvSpPr>
+        <p:spPr/>
+        <p:txBody>
+          <a:bodyPr/>
+          <a:lstStyle/>
+          <a:p>
+            <a:fld id="{D57F1E4F-1CFF-5643-939E-02111984F565}" type="slidenum">
+              <a:rPr lang="en-US" smtClean="0"/>
+              <a:t>21</a:t>
+            </a:fld>
+            <a:endParaRPr lang="en-US"/>
+          </a:p>
+        </p:txBody>
+      </p:sp>
     </p:spTree>
     <p:extLst>
       <p:ext uri="{BB962C8B-B14F-4D97-AF65-F5344CB8AC3E}">
@@ -10087,6 +10403,29 @@
           </a:prstGeom>
         </p:spPr>
       </p:pic>
+      <p:sp>
+        <p:nvSpPr>
+          <p:cNvPr id="3" name="Slide Number Placeholder 2"/>
+          <p:cNvSpPr>
+            <a:spLocks noGrp="1"/>
+          </p:cNvSpPr>
+          <p:nvPr>
+            <p:ph type="sldNum" sz="quarter" idx="12"/>
+          </p:nvPr>
+        </p:nvSpPr>
+        <p:spPr/>
+        <p:txBody>
+          <a:bodyPr/>
+          <a:lstStyle/>
+          <a:p>
+            <a:fld id="{D57F1E4F-1CFF-5643-939E-02111984F565}" type="slidenum">
+              <a:rPr lang="en-US" smtClean="0"/>
+              <a:t>22</a:t>
+            </a:fld>
+            <a:endParaRPr lang="en-US"/>
+          </a:p>
+        </p:txBody>
+      </p:sp>
     </p:spTree>
     <p:extLst>
       <p:ext uri="{BB962C8B-B14F-4D97-AF65-F5344CB8AC3E}">
@@ -10496,6 +10835,29 @@
           </a:p>
         </p:txBody>
       </p:sp>
+      <p:sp>
+        <p:nvSpPr>
+          <p:cNvPr id="5" name="Slide Number Placeholder 4"/>
+          <p:cNvSpPr>
+            <a:spLocks noGrp="1"/>
+          </p:cNvSpPr>
+          <p:nvPr>
+            <p:ph type="sldNum" sz="quarter" idx="12"/>
+          </p:nvPr>
+        </p:nvSpPr>
+        <p:spPr/>
+        <p:txBody>
+          <a:bodyPr/>
+          <a:lstStyle/>
+          <a:p>
+            <a:fld id="{D57F1E4F-1CFF-5643-939E-02111984F565}" type="slidenum">
+              <a:rPr lang="en-US" smtClean="0"/>
+              <a:t>3</a:t>
+            </a:fld>
+            <a:endParaRPr lang="en-US"/>
+          </a:p>
+        </p:txBody>
+      </p:sp>
     </p:spTree>
     <p:extLst>
       <p:ext uri="{BB962C8B-B14F-4D97-AF65-F5344CB8AC3E}">
@@ -10578,6 +10940,29 @@
           </a:xfrm>
         </p:spPr>
       </p:pic>
+      <p:sp>
+        <p:nvSpPr>
+          <p:cNvPr id="3" name="Slide Number Placeholder 2"/>
+          <p:cNvSpPr>
+            <a:spLocks noGrp="1"/>
+          </p:cNvSpPr>
+          <p:nvPr>
+            <p:ph type="sldNum" sz="quarter" idx="12"/>
+          </p:nvPr>
+        </p:nvSpPr>
+        <p:spPr/>
+        <p:txBody>
+          <a:bodyPr/>
+          <a:lstStyle/>
+          <a:p>
+            <a:fld id="{D57F1E4F-1CFF-5643-939E-02111984F565}" type="slidenum">
+              <a:rPr lang="en-US" smtClean="0"/>
+              <a:t>4</a:t>
+            </a:fld>
+            <a:endParaRPr lang="en-US"/>
+          </a:p>
+        </p:txBody>
+      </p:sp>
     </p:spTree>
     <p:extLst>
       <p:ext uri="{BB962C8B-B14F-4D97-AF65-F5344CB8AC3E}">
@@ -10775,6 +11160,29 @@
           </a:p>
         </p:txBody>
       </p:sp>
+      <p:sp>
+        <p:nvSpPr>
+          <p:cNvPr id="2" name="Slide Number Placeholder 1"/>
+          <p:cNvSpPr>
+            <a:spLocks noGrp="1"/>
+          </p:cNvSpPr>
+          <p:nvPr>
+            <p:ph type="sldNum" sz="quarter" idx="12"/>
+          </p:nvPr>
+        </p:nvSpPr>
+        <p:spPr/>
+        <p:txBody>
+          <a:bodyPr/>
+          <a:lstStyle/>
+          <a:p>
+            <a:fld id="{D57F1E4F-1CFF-5643-939E-02111984F565}" type="slidenum">
+              <a:rPr lang="en-US" smtClean="0"/>
+              <a:t>5</a:t>
+            </a:fld>
+            <a:endParaRPr lang="en-US"/>
+          </a:p>
+        </p:txBody>
+      </p:sp>
     </p:spTree>
     <p:extLst>
       <p:ext uri="{BB962C8B-B14F-4D97-AF65-F5344CB8AC3E}">
@@ -10887,6 +11295,29 @@
           </a:p>
         </p:txBody>
       </p:sp>
+      <p:sp>
+        <p:nvSpPr>
+          <p:cNvPr id="3" name="Slide Number Placeholder 2"/>
+          <p:cNvSpPr>
+            <a:spLocks noGrp="1"/>
+          </p:cNvSpPr>
+          <p:nvPr>
+            <p:ph type="sldNum" sz="quarter" idx="12"/>
+          </p:nvPr>
+        </p:nvSpPr>
+        <p:spPr/>
+        <p:txBody>
+          <a:bodyPr/>
+          <a:lstStyle/>
+          <a:p>
+            <a:fld id="{D57F1E4F-1CFF-5643-939E-02111984F565}" type="slidenum">
+              <a:rPr lang="en-US" smtClean="0"/>
+              <a:t>6</a:t>
+            </a:fld>
+            <a:endParaRPr lang="en-US"/>
+          </a:p>
+        </p:txBody>
+      </p:sp>
     </p:spTree>
     <p:extLst>
       <p:ext uri="{BB962C8B-B14F-4D97-AF65-F5344CB8AC3E}">
@@ -11172,6 +11603,29 @@
           </a:p>
         </p:txBody>
       </p:sp>
+      <p:sp>
+        <p:nvSpPr>
+          <p:cNvPr id="4" name="Slide Number Placeholder 3"/>
+          <p:cNvSpPr>
+            <a:spLocks noGrp="1"/>
+          </p:cNvSpPr>
+          <p:nvPr>
+            <p:ph type="sldNum" sz="quarter" idx="12"/>
+          </p:nvPr>
+        </p:nvSpPr>
+        <p:spPr/>
+        <p:txBody>
+          <a:bodyPr/>
+          <a:lstStyle/>
+          <a:p>
+            <a:fld id="{D57F1E4F-1CFF-5643-939E-02111984F565}" type="slidenum">
+              <a:rPr lang="en-US" smtClean="0"/>
+              <a:t>7</a:t>
+            </a:fld>
+            <a:endParaRPr lang="en-US"/>
+          </a:p>
+        </p:txBody>
+      </p:sp>
     </p:spTree>
     <p:extLst>
       <p:ext uri="{BB962C8B-B14F-4D97-AF65-F5344CB8AC3E}">
@@ -11254,6 +11708,29 @@
           </a:xfrm>
         </p:spPr>
       </p:pic>
+      <p:sp>
+        <p:nvSpPr>
+          <p:cNvPr id="3" name="Slide Number Placeholder 2"/>
+          <p:cNvSpPr>
+            <a:spLocks noGrp="1"/>
+          </p:cNvSpPr>
+          <p:nvPr>
+            <p:ph type="sldNum" sz="quarter" idx="12"/>
+          </p:nvPr>
+        </p:nvSpPr>
+        <p:spPr/>
+        <p:txBody>
+          <a:bodyPr/>
+          <a:lstStyle/>
+          <a:p>
+            <a:fld id="{D57F1E4F-1CFF-5643-939E-02111984F565}" type="slidenum">
+              <a:rPr lang="en-US" smtClean="0"/>
+              <a:t>8</a:t>
+            </a:fld>
+            <a:endParaRPr lang="en-US"/>
+          </a:p>
+        </p:txBody>
+      </p:sp>
     </p:spTree>
     <p:extLst>
       <p:ext uri="{BB962C8B-B14F-4D97-AF65-F5344CB8AC3E}">
@@ -11477,6 +11954,29 @@
               <a:rPr lang="en-US" sz="1300" dirty="0"/>
               <a:t>when the page loads and shows the Coach all of his/her Routines</a:t>
             </a:r>
+          </a:p>
+        </p:txBody>
+      </p:sp>
+      <p:sp>
+        <p:nvSpPr>
+          <p:cNvPr id="4" name="Slide Number Placeholder 3"/>
+          <p:cNvSpPr>
+            <a:spLocks noGrp="1"/>
+          </p:cNvSpPr>
+          <p:nvPr>
+            <p:ph type="sldNum" sz="quarter" idx="12"/>
+          </p:nvPr>
+        </p:nvSpPr>
+        <p:spPr/>
+        <p:txBody>
+          <a:bodyPr/>
+          <a:lstStyle/>
+          <a:p>
+            <a:fld id="{D57F1E4F-1CFF-5643-939E-02111984F565}" type="slidenum">
+              <a:rPr lang="en-US" smtClean="0"/>
+              <a:t>9</a:t>
+            </a:fld>
+            <a:endParaRPr lang="en-US"/>
           </a:p>
         </p:txBody>
       </p:sp>
@@ -11536,7 +12036,7 @@
     </a:clrScheme>
     <a:fontScheme name="Ion">
       <a:majorFont>
-        <a:latin typeface="Century Gothic" panose="020B0502020202020204"/>
+        <a:latin typeface="Century Gothic"/>
         <a:ea typeface=""/>
         <a:cs typeface=""/>
         <a:font script="Jpan" typeface="メイリオ"/>
@@ -11571,7 +12071,7 @@
         <a:font script="Geor" typeface="Sylfaen"/>
       </a:majorFont>
       <a:minorFont>
-        <a:latin typeface="Century Gothic" panose="020B0502020202020204"/>
+        <a:latin typeface="Century Gothic"/>
         <a:ea typeface=""/>
         <a:cs typeface=""/>
         <a:font script="Jpan" typeface="メイリオ"/>
@@ -11753,7 +12253,7 @@
   <a:extraClrSchemeLst/>
   <a:extLst>
     <a:ext uri="{05A4C25C-085E-4340-85A3-A5531E510DB2}">
-      <thm15:themeFamily xmlns:thm15="http://schemas.microsoft.com/office/thememl/2012/main" name="Ion" id="{B8441ADB-2E43-4AF7-B97A-BD870242C6A8}" vid="{292E63A9-BB86-4E3D-B92A-7223C6510D2E}"/>
+      <thm15:themeFamily xmlns:thm15="http://schemas.microsoft.com/office/thememl/2012/main" xmlns="" name="Ion" id="{B8441ADB-2E43-4AF7-B97A-BD870242C6A8}" vid="{292E63A9-BB86-4E3D-B92A-7223C6510D2E}"/>
     </a:ext>
   </a:extLst>
 </a:theme>
@@ -11802,7 +12302,7 @@
     </a:clrScheme>
     <a:fontScheme name="Office">
       <a:majorFont>
-        <a:latin typeface="Calibri Light" panose="020F0302020204030204"/>
+        <a:latin typeface="Calibri Light"/>
         <a:ea typeface=""/>
         <a:cs typeface=""/>
         <a:font script="Jpan" typeface="ＭＳ Ｐゴシック"/>
@@ -11837,7 +12337,7 @@
         <a:font script="Geor" typeface="Sylfaen"/>
       </a:majorFont>
       <a:minorFont>
-        <a:latin typeface="Calibri" panose="020F0502020204030204"/>
+        <a:latin typeface="Calibri"/>
         <a:ea typeface=""/>
         <a:cs typeface=""/>
         <a:font script="Jpan" typeface="ＭＳ Ｐゴシック"/>
@@ -12014,7 +12514,7 @@
   <a:extraClrSchemeLst/>
   <a:extLst>
     <a:ext uri="{05A4C25C-085E-4340-85A3-A5531E510DB2}">
-      <thm15:themeFamily xmlns:thm15="http://schemas.microsoft.com/office/thememl/2012/main" name="Office Theme" id="{62F939B6-93AF-4DB8-9C6B-D6C7DFDC589F}" vid="{4A3C46E8-61CC-4603-A589-7422A47A8E4A}"/>
+      <thm15:themeFamily xmlns:thm15="http://schemas.microsoft.com/office/thememl/2012/main" xmlns="" name="Office Theme" id="{62F939B6-93AF-4DB8-9C6B-D6C7DFDC589F}" vid="{4A3C46E8-61CC-4603-A589-7422A47A8E4A}"/>
     </a:ext>
   </a:extLst>
 </a:theme>
@@ -12063,7 +12563,7 @@
     </a:clrScheme>
     <a:fontScheme name="Office">
       <a:majorFont>
-        <a:latin typeface="Calibri Light" panose="020F0302020204030204"/>
+        <a:latin typeface="Calibri Light"/>
         <a:ea typeface=""/>
         <a:cs typeface=""/>
         <a:font script="Jpan" typeface="ＭＳ Ｐゴシック"/>
@@ -12098,7 +12598,7 @@
         <a:font script="Geor" typeface="Sylfaen"/>
       </a:majorFont>
       <a:minorFont>
-        <a:latin typeface="Calibri" panose="020F0502020204030204"/>
+        <a:latin typeface="Calibri"/>
         <a:ea typeface=""/>
         <a:cs typeface=""/>
         <a:font script="Jpan" typeface="ＭＳ Ｐゴシック"/>
@@ -12275,7 +12775,7 @@
   <a:extraClrSchemeLst/>
   <a:extLst>
     <a:ext uri="{05A4C25C-085E-4340-85A3-A5531E510DB2}">
-      <thm15:themeFamily xmlns:thm15="http://schemas.microsoft.com/office/thememl/2012/main" name="Office Theme" id="{62F939B6-93AF-4DB8-9C6B-D6C7DFDC589F}" vid="{4A3C46E8-61CC-4603-A589-7422A47A8E4A}"/>
+      <thm15:themeFamily xmlns:thm15="http://schemas.microsoft.com/office/thememl/2012/main" xmlns="" name="Office Theme" id="{62F939B6-93AF-4DB8-9C6B-D6C7DFDC589F}" vid="{4A3C46E8-61CC-4603-A589-7422A47A8E4A}"/>
     </a:ext>
   </a:extLst>
 </a:theme>
